--- a/Python-JWT.pptx
+++ b/Python-JWT.pptx
@@ -12,19 +12,23 @@
     <p:sldId id="275" r:id="rId6"/>
     <p:sldId id="276" r:id="rId7"/>
     <p:sldId id="274" r:id="rId8"/>
-    <p:sldId id="260" r:id="rId9"/>
-    <p:sldId id="273" r:id="rId10"/>
-    <p:sldId id="263" r:id="rId11"/>
-    <p:sldId id="262" r:id="rId12"/>
-    <p:sldId id="264" r:id="rId13"/>
-    <p:sldId id="266" r:id="rId14"/>
-    <p:sldId id="265" r:id="rId15"/>
-    <p:sldId id="267" r:id="rId16"/>
-    <p:sldId id="268" r:id="rId17"/>
-    <p:sldId id="269" r:id="rId18"/>
-    <p:sldId id="271" r:id="rId19"/>
-    <p:sldId id="270" r:id="rId20"/>
-    <p:sldId id="272" r:id="rId21"/>
+    <p:sldId id="280" r:id="rId9"/>
+    <p:sldId id="260" r:id="rId10"/>
+    <p:sldId id="279" r:id="rId11"/>
+    <p:sldId id="273" r:id="rId12"/>
+    <p:sldId id="263" r:id="rId13"/>
+    <p:sldId id="262" r:id="rId14"/>
+    <p:sldId id="277" r:id="rId15"/>
+    <p:sldId id="264" r:id="rId16"/>
+    <p:sldId id="266" r:id="rId17"/>
+    <p:sldId id="265" r:id="rId18"/>
+    <p:sldId id="267" r:id="rId19"/>
+    <p:sldId id="268" r:id="rId20"/>
+    <p:sldId id="269" r:id="rId21"/>
+    <p:sldId id="271" r:id="rId22"/>
+    <p:sldId id="270" r:id="rId23"/>
+    <p:sldId id="272" r:id="rId24"/>
+    <p:sldId id="278" r:id="rId25"/>
   </p:sldIdLst>
   <p:sldSz cx="12192000" cy="6858000"/>
   <p:notesSz cx="6858000" cy="9144000"/>
@@ -6063,7 +6067,7 @@
           <a:p>
             <a:r>
               <a:rPr lang="es-MX" dirty="0"/>
-              <a:t>Después de implementar JWT</a:t>
+              <a:t>Antes de implementar JWT</a:t>
             </a:r>
             <a:endParaRPr lang="es-EC" dirty="0"/>
           </a:p>
@@ -6092,7 +6096,216 @@
           </a:bodyPr>
           <a:lstStyle/>
           <a:p>
-            <a:pPr lvl="0"/>
+            <a:pPr lvl="0" algn="just"/>
+            <a:r>
+              <a:rPr lang="es-EC" sz="4400" dirty="0"/>
+              <a:t>Se requiere el método </a:t>
+            </a:r>
+            <a:r>
+              <a:rPr lang="es-EC" sz="4400" dirty="0" err="1"/>
+              <a:t>get</a:t>
+            </a:r>
+            <a:r>
+              <a:rPr lang="es-EC" sz="4400" dirty="0"/>
+              <a:t> sin un </a:t>
+            </a:r>
+            <a:r>
+              <a:rPr lang="es-EC" sz="4400" dirty="0" err="1"/>
+              <a:t>json</a:t>
+            </a:r>
+            <a:r>
+              <a:rPr lang="es-EC" sz="4400" dirty="0"/>
+              <a:t> en la sección </a:t>
+            </a:r>
+            <a:r>
+              <a:rPr lang="es-EC" sz="4400" dirty="0" err="1"/>
+              <a:t>body</a:t>
+            </a:r>
+            <a:r>
+              <a:rPr lang="es-EC" sz="4400" dirty="0"/>
+              <a:t> accediendo directo a la </a:t>
+            </a:r>
+            <a:r>
+              <a:rPr lang="es-EC" sz="4400" dirty="0" err="1"/>
+              <a:t>raiz</a:t>
+            </a:r>
+            <a:r>
+              <a:rPr lang="es-EC" sz="4400" dirty="0"/>
+              <a:t> como en el siguiente ejemplo.</a:t>
+            </a:r>
+          </a:p>
+        </p:txBody>
+      </p:sp>
+    </p:spTree>
+    <p:extLst>
+      <p:ext uri="{BB962C8B-B14F-4D97-AF65-F5344CB8AC3E}">
+        <p14:creationId xmlns:p14="http://schemas.microsoft.com/office/powerpoint/2010/main" val="2681242123"/>
+      </p:ext>
+    </p:extLst>
+  </p:cSld>
+  <p:clrMapOvr>
+    <a:masterClrMapping/>
+  </p:clrMapOvr>
+</p:sld>
+</file>
+
+<file path=ppt/slides/slide11.xml><?xml version="1.0" encoding="utf-8"?>
+<p:sld xmlns:a="http://schemas.openxmlformats.org/drawingml/2006/main" xmlns:r="http://schemas.openxmlformats.org/officeDocument/2006/relationships" xmlns:p="http://schemas.openxmlformats.org/presentationml/2006/main">
+  <p:cSld>
+    <p:spTree>
+      <p:nvGrpSpPr>
+        <p:cNvPr id="1" name=""/>
+        <p:cNvGrpSpPr/>
+        <p:nvPr/>
+      </p:nvGrpSpPr>
+      <p:grpSpPr>
+        <a:xfrm>
+          <a:off x="0" y="0"/>
+          <a:ext cx="0" cy="0"/>
+          <a:chOff x="0" y="0"/>
+          <a:chExt cx="0" cy="0"/>
+        </a:xfrm>
+      </p:grpSpPr>
+      <p:sp>
+        <p:nvSpPr>
+          <p:cNvPr id="2" name="Título 1">
+            <a:extLst>
+              <a:ext uri="{FF2B5EF4-FFF2-40B4-BE49-F238E27FC236}">
+                <a16:creationId xmlns:a16="http://schemas.microsoft.com/office/drawing/2014/main" id="{0021AD95-580F-4A61-BFDA-8BEC133E441B}"/>
+              </a:ext>
+            </a:extLst>
+          </p:cNvPr>
+          <p:cNvSpPr>
+            <a:spLocks noGrp="1"/>
+          </p:cNvSpPr>
+          <p:nvPr>
+            <p:ph type="title"/>
+          </p:nvPr>
+        </p:nvSpPr>
+        <p:spPr/>
+        <p:txBody>
+          <a:bodyPr/>
+          <a:lstStyle/>
+          <a:p>
+            <a:r>
+              <a:rPr lang="es-EC" dirty="0"/>
+              <a:t>Antes de implementar el Código</a:t>
+            </a:r>
+          </a:p>
+        </p:txBody>
+      </p:sp>
+      <p:pic>
+        <p:nvPicPr>
+          <p:cNvPr id="5" name="Marcador de contenido 4">
+            <a:extLst>
+              <a:ext uri="{FF2B5EF4-FFF2-40B4-BE49-F238E27FC236}">
+                <a16:creationId xmlns:a16="http://schemas.microsoft.com/office/drawing/2014/main" id="{3C1F7DB6-B11E-41A6-BC1A-6D1FADB8ECE8}"/>
+              </a:ext>
+            </a:extLst>
+          </p:cNvPr>
+          <p:cNvPicPr>
+            <a:picLocks noGrp="1" noChangeAspect="1"/>
+          </p:cNvPicPr>
+          <p:nvPr>
+            <p:ph idx="1"/>
+          </p:nvPr>
+        </p:nvPicPr>
+        <p:blipFill>
+          <a:blip r:embed="rId2"/>
+          <a:stretch>
+            <a:fillRect/>
+          </a:stretch>
+        </p:blipFill>
+        <p:spPr>
+          <a:xfrm>
+            <a:off x="1103684" y="2328967"/>
+            <a:ext cx="8947150" cy="3749635"/>
+          </a:xfrm>
+        </p:spPr>
+      </p:pic>
+    </p:spTree>
+    <p:extLst>
+      <p:ext uri="{BB962C8B-B14F-4D97-AF65-F5344CB8AC3E}">
+        <p14:creationId xmlns:p14="http://schemas.microsoft.com/office/powerpoint/2010/main" val="1772890054"/>
+      </p:ext>
+    </p:extLst>
+  </p:cSld>
+  <p:clrMapOvr>
+    <a:masterClrMapping/>
+  </p:clrMapOvr>
+</p:sld>
+</file>
+
+<file path=ppt/slides/slide12.xml><?xml version="1.0" encoding="utf-8"?>
+<p:sld xmlns:a="http://schemas.openxmlformats.org/drawingml/2006/main" xmlns:r="http://schemas.openxmlformats.org/officeDocument/2006/relationships" xmlns:p="http://schemas.openxmlformats.org/presentationml/2006/main">
+  <p:cSld>
+    <p:spTree>
+      <p:nvGrpSpPr>
+        <p:cNvPr id="1" name=""/>
+        <p:cNvGrpSpPr/>
+        <p:nvPr/>
+      </p:nvGrpSpPr>
+      <p:grpSpPr>
+        <a:xfrm>
+          <a:off x="0" y="0"/>
+          <a:ext cx="0" cy="0"/>
+          <a:chOff x="0" y="0"/>
+          <a:chExt cx="0" cy="0"/>
+        </a:xfrm>
+      </p:grpSpPr>
+      <p:sp>
+        <p:nvSpPr>
+          <p:cNvPr id="2" name="Título 1">
+            <a:extLst>
+              <a:ext uri="{FF2B5EF4-FFF2-40B4-BE49-F238E27FC236}">
+                <a16:creationId xmlns:a16="http://schemas.microsoft.com/office/drawing/2014/main" id="{560E3B2A-8608-4169-A9E9-6FB86BDD813E}"/>
+              </a:ext>
+            </a:extLst>
+          </p:cNvPr>
+          <p:cNvSpPr>
+            <a:spLocks noGrp="1"/>
+          </p:cNvSpPr>
+          <p:nvPr>
+            <p:ph type="title"/>
+          </p:nvPr>
+        </p:nvSpPr>
+        <p:spPr/>
+        <p:txBody>
+          <a:bodyPr/>
+          <a:lstStyle/>
+          <a:p>
+            <a:r>
+              <a:rPr lang="es-MX" dirty="0"/>
+              <a:t>Después de implementar JWT</a:t>
+            </a:r>
+            <a:endParaRPr lang="es-EC" dirty="0"/>
+          </a:p>
+        </p:txBody>
+      </p:sp>
+      <p:sp>
+        <p:nvSpPr>
+          <p:cNvPr id="5" name="Marcador de contenido 4">
+            <a:extLst>
+              <a:ext uri="{FF2B5EF4-FFF2-40B4-BE49-F238E27FC236}">
+                <a16:creationId xmlns:a16="http://schemas.microsoft.com/office/drawing/2014/main" id="{5BBCE83F-8071-41D6-8D44-5A438EDBA0EB}"/>
+              </a:ext>
+            </a:extLst>
+          </p:cNvPr>
+          <p:cNvSpPr>
+            <a:spLocks noGrp="1"/>
+          </p:cNvSpPr>
+          <p:nvPr>
+            <p:ph idx="1"/>
+          </p:nvPr>
+        </p:nvSpPr>
+        <p:spPr/>
+        <p:txBody>
+          <a:bodyPr>
+            <a:normAutofit fontScale="92500"/>
+          </a:bodyPr>
+          <a:lstStyle/>
+          <a:p>
+            <a:pPr lvl="0" algn="just"/>
             <a:r>
               <a:rPr lang="es-EC" sz="4400" dirty="0"/>
               <a:t>Se requiere el método post con un </a:t>
@@ -6112,7 +6325,7 @@
             <a:endParaRPr lang="es-EC" sz="4400" dirty="0"/>
           </a:p>
           <a:p>
-            <a:pPr lvl="0"/>
+            <a:pPr lvl="0" algn="just"/>
             <a:r>
               <a:rPr lang="es-EC" sz="4400" b="0" i="0" dirty="0"/>
               <a:t>Para el ca</a:t>
@@ -6121,6 +6334,26 @@
               <a:rPr lang="es-EC" sz="4400" dirty="0"/>
               <a:t>so práctico el nombre y contraseña es: “test”</a:t>
             </a:r>
+          </a:p>
+          <a:p>
+            <a:pPr algn="just"/>
+            <a:r>
+              <a:rPr lang="es-EC" sz="4400" dirty="0"/>
+              <a:t>Se ve diferenciado con </a:t>
+            </a:r>
+            <a:r>
+              <a:rPr lang="es-EC" sz="4400" dirty="0" err="1"/>
+              <a:t>get</a:t>
+            </a:r>
+            <a:r>
+              <a:rPr lang="es-EC" sz="4400" dirty="0"/>
+              <a:t> anterior</a:t>
+            </a:r>
+          </a:p>
+          <a:p>
+            <a:pPr marL="0" lvl="0" indent="0" algn="just">
+              <a:buNone/>
+            </a:pPr>
             <a:endParaRPr lang="es-EC" sz="4400" b="0" i="0" dirty="0"/>
           </a:p>
         </p:txBody>
@@ -6138,7 +6371,7 @@
 </p:sld>
 </file>
 
-<file path=ppt/slides/slide11.xml><?xml version="1.0" encoding="utf-8"?>
+<file path=ppt/slides/slide13.xml><?xml version="1.0" encoding="utf-8"?>
 <p:sld xmlns:a="http://schemas.openxmlformats.org/drawingml/2006/main" xmlns:r="http://schemas.openxmlformats.org/officeDocument/2006/relationships" xmlns:p="http://schemas.openxmlformats.org/presentationml/2006/main">
   <p:cSld>
     <p:spTree>
@@ -6225,7 +6458,97 @@
 </p:sld>
 </file>
 
-<file path=ppt/slides/slide12.xml><?xml version="1.0" encoding="utf-8"?>
+<file path=ppt/slides/slide14.xml><?xml version="1.0" encoding="utf-8"?>
+<p:sld xmlns:a="http://schemas.openxmlformats.org/drawingml/2006/main" xmlns:r="http://schemas.openxmlformats.org/officeDocument/2006/relationships" xmlns:p="http://schemas.openxmlformats.org/presentationml/2006/main">
+  <p:cSld>
+    <p:spTree>
+      <p:nvGrpSpPr>
+        <p:cNvPr id="1" name=""/>
+        <p:cNvGrpSpPr/>
+        <p:nvPr/>
+      </p:nvGrpSpPr>
+      <p:grpSpPr>
+        <a:xfrm>
+          <a:off x="0" y="0"/>
+          <a:ext cx="0" cy="0"/>
+          <a:chOff x="0" y="0"/>
+          <a:chExt cx="0" cy="0"/>
+        </a:xfrm>
+      </p:grpSpPr>
+      <p:sp>
+        <p:nvSpPr>
+          <p:cNvPr id="2" name="Título 1">
+            <a:extLst>
+              <a:ext uri="{FF2B5EF4-FFF2-40B4-BE49-F238E27FC236}">
+                <a16:creationId xmlns:a16="http://schemas.microsoft.com/office/drawing/2014/main" id="{560E3B2A-8608-4169-A9E9-6FB86BDD813E}"/>
+              </a:ext>
+            </a:extLst>
+          </p:cNvPr>
+          <p:cNvSpPr>
+            <a:spLocks noGrp="1"/>
+          </p:cNvSpPr>
+          <p:nvPr>
+            <p:ph type="title"/>
+          </p:nvPr>
+        </p:nvSpPr>
+        <p:spPr/>
+        <p:txBody>
+          <a:bodyPr/>
+          <a:lstStyle/>
+          <a:p>
+            <a:r>
+              <a:rPr lang="es-EC" dirty="0"/>
+              <a:t>Después de implementar el Código</a:t>
+            </a:r>
+          </a:p>
+        </p:txBody>
+      </p:sp>
+      <p:sp>
+        <p:nvSpPr>
+          <p:cNvPr id="5" name="Marcador de contenido 4">
+            <a:extLst>
+              <a:ext uri="{FF2B5EF4-FFF2-40B4-BE49-F238E27FC236}">
+                <a16:creationId xmlns:a16="http://schemas.microsoft.com/office/drawing/2014/main" id="{5BBCE83F-8071-41D6-8D44-5A438EDBA0EB}"/>
+              </a:ext>
+            </a:extLst>
+          </p:cNvPr>
+          <p:cNvSpPr>
+            <a:spLocks noGrp="1"/>
+          </p:cNvSpPr>
+          <p:nvPr>
+            <p:ph idx="1"/>
+          </p:nvPr>
+        </p:nvSpPr>
+        <p:spPr/>
+        <p:txBody>
+          <a:bodyPr>
+            <a:normAutofit/>
+          </a:bodyPr>
+          <a:lstStyle/>
+          <a:p>
+            <a:pPr lvl="0" algn="just"/>
+            <a:r>
+              <a:rPr lang="es-EC" sz="4400" dirty="0"/>
+              <a:t>Ingresado nombre y contraseña : “test” generará un único Access token</a:t>
+            </a:r>
+            <a:endParaRPr lang="es-EC" sz="4400" b="0" i="0" dirty="0"/>
+          </a:p>
+        </p:txBody>
+      </p:sp>
+    </p:spTree>
+    <p:extLst>
+      <p:ext uri="{BB962C8B-B14F-4D97-AF65-F5344CB8AC3E}">
+        <p14:creationId xmlns:p14="http://schemas.microsoft.com/office/powerpoint/2010/main" val="969454448"/>
+      </p:ext>
+    </p:extLst>
+  </p:cSld>
+  <p:clrMapOvr>
+    <a:masterClrMapping/>
+  </p:clrMapOvr>
+</p:sld>
+</file>
+
+<file path=ppt/slides/slide15.xml><?xml version="1.0" encoding="utf-8"?>
 <p:sld xmlns:a="http://schemas.openxmlformats.org/drawingml/2006/main" xmlns:r="http://schemas.openxmlformats.org/officeDocument/2006/relationships" xmlns:p="http://schemas.openxmlformats.org/presentationml/2006/main">
   <p:cSld>
     <p:spTree>
@@ -6312,7 +6635,7 @@
 </p:sld>
 </file>
 
-<file path=ppt/slides/slide13.xml><?xml version="1.0" encoding="utf-8"?>
+<file path=ppt/slides/slide16.xml><?xml version="1.0" encoding="utf-8"?>
 <p:sld xmlns:a="http://schemas.openxmlformats.org/drawingml/2006/main" xmlns:r="http://schemas.openxmlformats.org/officeDocument/2006/relationships" xmlns:p="http://schemas.openxmlformats.org/presentationml/2006/main">
   <p:cSld>
     <p:spTree>
@@ -6352,9 +6675,12 @@
           <a:p>
             <a:r>
               <a:rPr lang="es-MX" dirty="0"/>
-              <a:t>Después de implementar JWT</a:t>
-            </a:r>
-            <a:endParaRPr lang="es-EC" dirty="0"/>
+              <a:t>Después de implementar </a:t>
+            </a:r>
+            <a:r>
+              <a:rPr lang="es-EC" dirty="0"/>
+              <a:t>Código</a:t>
+            </a:r>
           </a:p>
         </p:txBody>
       </p:sp>
@@ -6381,7 +6707,7 @@
           </a:bodyPr>
           <a:lstStyle/>
           <a:p>
-            <a:pPr lvl="0"/>
+            <a:pPr lvl="0" algn="just"/>
             <a:r>
               <a:rPr lang="es-EC" sz="4400" dirty="0"/>
               <a:t>Si  no se envía el token se tiene esta respuesta</a:t>
@@ -6403,7 +6729,7 @@
 </p:sld>
 </file>
 
-<file path=ppt/slides/slide14.xml><?xml version="1.0" encoding="utf-8"?>
+<file path=ppt/slides/slide17.xml><?xml version="1.0" encoding="utf-8"?>
 <p:sld xmlns:a="http://schemas.openxmlformats.org/drawingml/2006/main" xmlns:r="http://schemas.openxmlformats.org/officeDocument/2006/relationships" xmlns:p="http://schemas.openxmlformats.org/presentationml/2006/main">
   <p:cSld>
     <p:spTree>
@@ -6490,7 +6816,7 @@
 </p:sld>
 </file>
 
-<file path=ppt/slides/slide15.xml><?xml version="1.0" encoding="utf-8"?>
+<file path=ppt/slides/slide18.xml><?xml version="1.0" encoding="utf-8"?>
 <p:sld xmlns:a="http://schemas.openxmlformats.org/drawingml/2006/main" xmlns:r="http://schemas.openxmlformats.org/officeDocument/2006/relationships" xmlns:p="http://schemas.openxmlformats.org/presentationml/2006/main">
   <p:cSld>
     <p:spTree>
@@ -6530,9 +6856,12 @@
           <a:p>
             <a:r>
               <a:rPr lang="es-MX" dirty="0"/>
-              <a:t>Después de implementar JWT</a:t>
-            </a:r>
-            <a:endParaRPr lang="es-EC" dirty="0"/>
+              <a:t>Después de implementar </a:t>
+            </a:r>
+            <a:r>
+              <a:rPr lang="es-EC" dirty="0"/>
+              <a:t>Código</a:t>
+            </a:r>
           </a:p>
         </p:txBody>
       </p:sp>
@@ -6559,7 +6888,7 @@
           </a:bodyPr>
           <a:lstStyle/>
           <a:p>
-            <a:pPr lvl="0"/>
+            <a:pPr lvl="0" algn="just"/>
             <a:r>
               <a:rPr lang="es-EC" sz="4400" dirty="0"/>
               <a:t>Se debe agregar un </a:t>
@@ -6605,7 +6934,7 @@
 </p:sld>
 </file>
 
-<file path=ppt/slides/slide16.xml><?xml version="1.0" encoding="utf-8"?>
+<file path=ppt/slides/slide19.xml><?xml version="1.0" encoding="utf-8"?>
 <p:sld xmlns:a="http://schemas.openxmlformats.org/drawingml/2006/main" xmlns:r="http://schemas.openxmlformats.org/officeDocument/2006/relationships" xmlns:p="http://schemas.openxmlformats.org/presentationml/2006/main">
   <p:cSld>
     <p:spTree>
@@ -6692,298 +7021,6 @@
 </p:sld>
 </file>
 
-<file path=ppt/slides/slide17.xml><?xml version="1.0" encoding="utf-8"?>
-<p:sld xmlns:a="http://schemas.openxmlformats.org/drawingml/2006/main" xmlns:r="http://schemas.openxmlformats.org/officeDocument/2006/relationships" xmlns:p="http://schemas.openxmlformats.org/presentationml/2006/main">
-  <p:cSld>
-    <p:spTree>
-      <p:nvGrpSpPr>
-        <p:cNvPr id="1" name=""/>
-        <p:cNvGrpSpPr/>
-        <p:nvPr/>
-      </p:nvGrpSpPr>
-      <p:grpSpPr>
-        <a:xfrm>
-          <a:off x="0" y="0"/>
-          <a:ext cx="0" cy="0"/>
-          <a:chOff x="0" y="0"/>
-          <a:chExt cx="0" cy="0"/>
-        </a:xfrm>
-      </p:grpSpPr>
-      <p:sp>
-        <p:nvSpPr>
-          <p:cNvPr id="2" name="Título 1">
-            <a:extLst>
-              <a:ext uri="{FF2B5EF4-FFF2-40B4-BE49-F238E27FC236}">
-                <a16:creationId xmlns:a16="http://schemas.microsoft.com/office/drawing/2014/main" id="{0021AD95-580F-4A61-BFDA-8BEC133E441B}"/>
-              </a:ext>
-            </a:extLst>
-          </p:cNvPr>
-          <p:cNvSpPr>
-            <a:spLocks noGrp="1"/>
-          </p:cNvSpPr>
-          <p:nvPr>
-            <p:ph type="title"/>
-          </p:nvPr>
-        </p:nvSpPr>
-        <p:spPr/>
-        <p:txBody>
-          <a:bodyPr/>
-          <a:lstStyle/>
-          <a:p>
-            <a:r>
-              <a:rPr lang="es-EC" dirty="0"/>
-              <a:t>Después de implementar el Código</a:t>
-            </a:r>
-          </a:p>
-        </p:txBody>
-      </p:sp>
-      <p:pic>
-        <p:nvPicPr>
-          <p:cNvPr id="6" name="Marcador de contenido 5">
-            <a:extLst>
-              <a:ext uri="{FF2B5EF4-FFF2-40B4-BE49-F238E27FC236}">
-                <a16:creationId xmlns:a16="http://schemas.microsoft.com/office/drawing/2014/main" id="{D4D734E5-6617-4C90-8053-69CBF561C535}"/>
-              </a:ext>
-            </a:extLst>
-          </p:cNvPr>
-          <p:cNvPicPr>
-            <a:picLocks noGrp="1" noChangeAspect="1"/>
-          </p:cNvPicPr>
-          <p:nvPr>
-            <p:ph idx="1"/>
-          </p:nvPr>
-        </p:nvPicPr>
-        <p:blipFill>
-          <a:blip r:embed="rId2"/>
-          <a:stretch>
-            <a:fillRect/>
-          </a:stretch>
-        </p:blipFill>
-        <p:spPr>
-          <a:xfrm>
-            <a:off x="1103313" y="2304403"/>
-            <a:ext cx="8947150" cy="3692231"/>
-          </a:xfrm>
-        </p:spPr>
-      </p:pic>
-    </p:spTree>
-    <p:extLst>
-      <p:ext uri="{BB962C8B-B14F-4D97-AF65-F5344CB8AC3E}">
-        <p14:creationId xmlns:p14="http://schemas.microsoft.com/office/powerpoint/2010/main" val="2778844991"/>
-      </p:ext>
-    </p:extLst>
-  </p:cSld>
-  <p:clrMapOvr>
-    <a:masterClrMapping/>
-  </p:clrMapOvr>
-</p:sld>
-</file>
-
-<file path=ppt/slides/slide18.xml><?xml version="1.0" encoding="utf-8"?>
-<p:sld xmlns:a="http://schemas.openxmlformats.org/drawingml/2006/main" xmlns:r="http://schemas.openxmlformats.org/officeDocument/2006/relationships" xmlns:p="http://schemas.openxmlformats.org/presentationml/2006/main">
-  <p:cSld>
-    <p:spTree>
-      <p:nvGrpSpPr>
-        <p:cNvPr id="1" name=""/>
-        <p:cNvGrpSpPr/>
-        <p:nvPr/>
-      </p:nvGrpSpPr>
-      <p:grpSpPr>
-        <a:xfrm>
-          <a:off x="0" y="0"/>
-          <a:ext cx="0" cy="0"/>
-          <a:chOff x="0" y="0"/>
-          <a:chExt cx="0" cy="0"/>
-        </a:xfrm>
-      </p:grpSpPr>
-      <p:sp>
-        <p:nvSpPr>
-          <p:cNvPr id="2" name="Título 1">
-            <a:extLst>
-              <a:ext uri="{FF2B5EF4-FFF2-40B4-BE49-F238E27FC236}">
-                <a16:creationId xmlns:a16="http://schemas.microsoft.com/office/drawing/2014/main" id="{560E3B2A-8608-4169-A9E9-6FB86BDD813E}"/>
-              </a:ext>
-            </a:extLst>
-          </p:cNvPr>
-          <p:cNvSpPr>
-            <a:spLocks noGrp="1"/>
-          </p:cNvSpPr>
-          <p:nvPr>
-            <p:ph type="title"/>
-          </p:nvPr>
-        </p:nvSpPr>
-        <p:spPr/>
-        <p:txBody>
-          <a:bodyPr/>
-          <a:lstStyle/>
-          <a:p>
-            <a:r>
-              <a:rPr lang="es-MX" dirty="0"/>
-              <a:t>Después de implementar JWT</a:t>
-            </a:r>
-            <a:endParaRPr lang="es-EC" dirty="0"/>
-          </a:p>
-        </p:txBody>
-      </p:sp>
-      <p:sp>
-        <p:nvSpPr>
-          <p:cNvPr id="5" name="Marcador de contenido 4">
-            <a:extLst>
-              <a:ext uri="{FF2B5EF4-FFF2-40B4-BE49-F238E27FC236}">
-                <a16:creationId xmlns:a16="http://schemas.microsoft.com/office/drawing/2014/main" id="{5BBCE83F-8071-41D6-8D44-5A438EDBA0EB}"/>
-              </a:ext>
-            </a:extLst>
-          </p:cNvPr>
-          <p:cNvSpPr>
-            <a:spLocks noGrp="1"/>
-          </p:cNvSpPr>
-          <p:nvPr>
-            <p:ph idx="1"/>
-          </p:nvPr>
-        </p:nvSpPr>
-        <p:spPr/>
-        <p:txBody>
-          <a:bodyPr>
-            <a:normAutofit/>
-          </a:bodyPr>
-          <a:lstStyle/>
-          <a:p>
-            <a:pPr lvl="0"/>
-            <a:r>
-              <a:rPr lang="es-EC" sz="4400" dirty="0"/>
-              <a:t>Va entregar el </a:t>
-            </a:r>
-            <a:r>
-              <a:rPr lang="es-EC" sz="4400" dirty="0" err="1"/>
-              <a:t>Json</a:t>
-            </a:r>
-            <a:r>
-              <a:rPr lang="es-EC" sz="4400" dirty="0"/>
-              <a:t> asignado a la ruta solicitada de API/</a:t>
-            </a:r>
-            <a:r>
-              <a:rPr lang="es-EC" sz="4400" dirty="0" err="1"/>
-              <a:t>products</a:t>
-            </a:r>
-            <a:r>
-              <a:rPr lang="es-EC" sz="4400" dirty="0"/>
-              <a:t> o API/</a:t>
-            </a:r>
-            <a:r>
-              <a:rPr lang="es-EC" sz="4400" dirty="0" err="1"/>
-              <a:t>products</a:t>
-            </a:r>
-            <a:r>
-              <a:rPr lang="es-EC" sz="4400" dirty="0"/>
-              <a:t>/producto</a:t>
-            </a:r>
-          </a:p>
-          <a:p>
-            <a:pPr lvl="0"/>
-            <a:endParaRPr lang="es-EC" sz="4400" b="0" i="0" dirty="0"/>
-          </a:p>
-        </p:txBody>
-      </p:sp>
-    </p:spTree>
-    <p:extLst>
-      <p:ext uri="{BB962C8B-B14F-4D97-AF65-F5344CB8AC3E}">
-        <p14:creationId xmlns:p14="http://schemas.microsoft.com/office/powerpoint/2010/main" val="672258204"/>
-      </p:ext>
-    </p:extLst>
-  </p:cSld>
-  <p:clrMapOvr>
-    <a:masterClrMapping/>
-  </p:clrMapOvr>
-</p:sld>
-</file>
-
-<file path=ppt/slides/slide19.xml><?xml version="1.0" encoding="utf-8"?>
-<p:sld xmlns:a="http://schemas.openxmlformats.org/drawingml/2006/main" xmlns:r="http://schemas.openxmlformats.org/officeDocument/2006/relationships" xmlns:p="http://schemas.openxmlformats.org/presentationml/2006/main">
-  <p:cSld>
-    <p:spTree>
-      <p:nvGrpSpPr>
-        <p:cNvPr id="1" name=""/>
-        <p:cNvGrpSpPr/>
-        <p:nvPr/>
-      </p:nvGrpSpPr>
-      <p:grpSpPr>
-        <a:xfrm>
-          <a:off x="0" y="0"/>
-          <a:ext cx="0" cy="0"/>
-          <a:chOff x="0" y="0"/>
-          <a:chExt cx="0" cy="0"/>
-        </a:xfrm>
-      </p:grpSpPr>
-      <p:sp>
-        <p:nvSpPr>
-          <p:cNvPr id="2" name="Título 1">
-            <a:extLst>
-              <a:ext uri="{FF2B5EF4-FFF2-40B4-BE49-F238E27FC236}">
-                <a16:creationId xmlns:a16="http://schemas.microsoft.com/office/drawing/2014/main" id="{0021AD95-580F-4A61-BFDA-8BEC133E441B}"/>
-              </a:ext>
-            </a:extLst>
-          </p:cNvPr>
-          <p:cNvSpPr>
-            <a:spLocks noGrp="1"/>
-          </p:cNvSpPr>
-          <p:nvPr>
-            <p:ph type="title"/>
-          </p:nvPr>
-        </p:nvSpPr>
-        <p:spPr/>
-        <p:txBody>
-          <a:bodyPr/>
-          <a:lstStyle/>
-          <a:p>
-            <a:r>
-              <a:rPr lang="es-EC" dirty="0"/>
-              <a:t>Después de implementar el Código</a:t>
-            </a:r>
-          </a:p>
-        </p:txBody>
-      </p:sp>
-      <p:pic>
-        <p:nvPicPr>
-          <p:cNvPr id="7" name="Marcador de contenido 6">
-            <a:extLst>
-              <a:ext uri="{FF2B5EF4-FFF2-40B4-BE49-F238E27FC236}">
-                <a16:creationId xmlns:a16="http://schemas.microsoft.com/office/drawing/2014/main" id="{CCB814FF-6361-4C88-9FC5-DD4544EA9E45}"/>
-              </a:ext>
-            </a:extLst>
-          </p:cNvPr>
-          <p:cNvPicPr>
-            <a:picLocks noGrp="1" noChangeAspect="1"/>
-          </p:cNvPicPr>
-          <p:nvPr>
-            <p:ph idx="1"/>
-          </p:nvPr>
-        </p:nvPicPr>
-        <p:blipFill>
-          <a:blip r:embed="rId2"/>
-          <a:stretch>
-            <a:fillRect/>
-          </a:stretch>
-        </p:blipFill>
-        <p:spPr>
-          <a:xfrm>
-            <a:off x="2622332" y="2052638"/>
-            <a:ext cx="5909112" cy="4195762"/>
-          </a:xfrm>
-        </p:spPr>
-      </p:pic>
-    </p:spTree>
-    <p:extLst>
-      <p:ext uri="{BB962C8B-B14F-4D97-AF65-F5344CB8AC3E}">
-        <p14:creationId xmlns:p14="http://schemas.microsoft.com/office/powerpoint/2010/main" val="511410938"/>
-      </p:ext>
-    </p:extLst>
-  </p:cSld>
-  <p:clrMapOvr>
-    <a:masterClrMapping/>
-  </p:clrMapOvr>
-</p:sld>
-</file>
-
 <file path=ppt/slides/slide2.xml><?xml version="1.0" encoding="utf-8"?>
 <p:sld xmlns:a="http://schemas.openxmlformats.org/drawingml/2006/main" xmlns:r="http://schemas.openxmlformats.org/officeDocument/2006/relationships" xmlns:p="http://schemas.openxmlformats.org/presentationml/2006/main">
   <p:cSld>
@@ -7053,7 +7090,7 @@
           </a:bodyPr>
           <a:lstStyle/>
           <a:p>
-            <a:pPr lvl="0"/>
+            <a:pPr lvl="0" algn="just"/>
             <a:r>
               <a:rPr lang="es-EC" sz="4400" b="0" i="0" dirty="0"/>
               <a:t>En Python con </a:t>
@@ -7068,7 +7105,7 @@
             </a:r>
           </a:p>
           <a:p>
-            <a:pPr lvl="0"/>
+            <a:pPr lvl="0" algn="just"/>
             <a:r>
               <a:rPr lang="es-EC" sz="4400" b="0" i="0" dirty="0"/>
               <a:t>Se instala la extensión </a:t>
@@ -7083,7 +7120,7 @@
             </a:r>
           </a:p>
           <a:p>
-            <a:pPr lvl="0"/>
+            <a:pPr lvl="0" algn="just"/>
             <a:r>
               <a:rPr lang="es-EC" sz="4400" dirty="0" err="1"/>
               <a:t>pip</a:t>
@@ -7174,6 +7211,316 @@
           <p:cNvPr id="6" name="Marcador de contenido 5">
             <a:extLst>
               <a:ext uri="{FF2B5EF4-FFF2-40B4-BE49-F238E27FC236}">
+                <a16:creationId xmlns:a16="http://schemas.microsoft.com/office/drawing/2014/main" id="{D4D734E5-6617-4C90-8053-69CBF561C535}"/>
+              </a:ext>
+            </a:extLst>
+          </p:cNvPr>
+          <p:cNvPicPr>
+            <a:picLocks noGrp="1" noChangeAspect="1"/>
+          </p:cNvPicPr>
+          <p:nvPr>
+            <p:ph idx="1"/>
+          </p:nvPr>
+        </p:nvPicPr>
+        <p:blipFill>
+          <a:blip r:embed="rId2"/>
+          <a:stretch>
+            <a:fillRect/>
+          </a:stretch>
+        </p:blipFill>
+        <p:spPr>
+          <a:xfrm>
+            <a:off x="1103313" y="2304403"/>
+            <a:ext cx="8947150" cy="3692231"/>
+          </a:xfrm>
+        </p:spPr>
+      </p:pic>
+    </p:spTree>
+    <p:extLst>
+      <p:ext uri="{BB962C8B-B14F-4D97-AF65-F5344CB8AC3E}">
+        <p14:creationId xmlns:p14="http://schemas.microsoft.com/office/powerpoint/2010/main" val="2778844991"/>
+      </p:ext>
+    </p:extLst>
+  </p:cSld>
+  <p:clrMapOvr>
+    <a:masterClrMapping/>
+  </p:clrMapOvr>
+</p:sld>
+</file>
+
+<file path=ppt/slides/slide21.xml><?xml version="1.0" encoding="utf-8"?>
+<p:sld xmlns:a="http://schemas.openxmlformats.org/drawingml/2006/main" xmlns:r="http://schemas.openxmlformats.org/officeDocument/2006/relationships" xmlns:p="http://schemas.openxmlformats.org/presentationml/2006/main">
+  <p:cSld>
+    <p:spTree>
+      <p:nvGrpSpPr>
+        <p:cNvPr id="1" name=""/>
+        <p:cNvGrpSpPr/>
+        <p:nvPr/>
+      </p:nvGrpSpPr>
+      <p:grpSpPr>
+        <a:xfrm>
+          <a:off x="0" y="0"/>
+          <a:ext cx="0" cy="0"/>
+          <a:chOff x="0" y="0"/>
+          <a:chExt cx="0" cy="0"/>
+        </a:xfrm>
+      </p:grpSpPr>
+      <p:sp>
+        <p:nvSpPr>
+          <p:cNvPr id="2" name="Título 1">
+            <a:extLst>
+              <a:ext uri="{FF2B5EF4-FFF2-40B4-BE49-F238E27FC236}">
+                <a16:creationId xmlns:a16="http://schemas.microsoft.com/office/drawing/2014/main" id="{560E3B2A-8608-4169-A9E9-6FB86BDD813E}"/>
+              </a:ext>
+            </a:extLst>
+          </p:cNvPr>
+          <p:cNvSpPr>
+            <a:spLocks noGrp="1"/>
+          </p:cNvSpPr>
+          <p:nvPr>
+            <p:ph type="title"/>
+          </p:nvPr>
+        </p:nvSpPr>
+        <p:spPr/>
+        <p:txBody>
+          <a:bodyPr/>
+          <a:lstStyle/>
+          <a:p>
+            <a:r>
+              <a:rPr lang="es-MX" dirty="0"/>
+              <a:t>Después de implementar </a:t>
+            </a:r>
+            <a:r>
+              <a:rPr lang="es-EC" dirty="0"/>
+              <a:t>Código</a:t>
+            </a:r>
+          </a:p>
+        </p:txBody>
+      </p:sp>
+      <p:sp>
+        <p:nvSpPr>
+          <p:cNvPr id="5" name="Marcador de contenido 4">
+            <a:extLst>
+              <a:ext uri="{FF2B5EF4-FFF2-40B4-BE49-F238E27FC236}">
+                <a16:creationId xmlns:a16="http://schemas.microsoft.com/office/drawing/2014/main" id="{5BBCE83F-8071-41D6-8D44-5A438EDBA0EB}"/>
+              </a:ext>
+            </a:extLst>
+          </p:cNvPr>
+          <p:cNvSpPr>
+            <a:spLocks noGrp="1"/>
+          </p:cNvSpPr>
+          <p:nvPr>
+            <p:ph idx="1"/>
+          </p:nvPr>
+        </p:nvSpPr>
+        <p:spPr/>
+        <p:txBody>
+          <a:bodyPr>
+            <a:normAutofit lnSpcReduction="10000"/>
+          </a:bodyPr>
+          <a:lstStyle/>
+          <a:p>
+            <a:pPr lvl="0" algn="just"/>
+            <a:r>
+              <a:rPr lang="es-EC" sz="4400" dirty="0"/>
+              <a:t>Va entregar el </a:t>
+            </a:r>
+            <a:r>
+              <a:rPr lang="es-EC" sz="4400" dirty="0" err="1"/>
+              <a:t>Json</a:t>
+            </a:r>
+            <a:r>
+              <a:rPr lang="es-EC" sz="4400" dirty="0"/>
+              <a:t> asignado a la ruta solicitada de API/</a:t>
+            </a:r>
+            <a:r>
+              <a:rPr lang="es-EC" sz="4400" dirty="0" err="1"/>
+              <a:t>products</a:t>
+            </a:r>
+            <a:r>
+              <a:rPr lang="es-EC" sz="4400" dirty="0"/>
+              <a:t> o API/</a:t>
+            </a:r>
+            <a:r>
+              <a:rPr lang="es-EC" sz="4400" dirty="0" err="1"/>
+              <a:t>products</a:t>
+            </a:r>
+            <a:r>
+              <a:rPr lang="es-EC" sz="4400" dirty="0"/>
+              <a:t>/producto</a:t>
+            </a:r>
+          </a:p>
+          <a:p>
+            <a:pPr lvl="0" algn="just"/>
+            <a:r>
+              <a:rPr lang="es-EC" sz="4400" dirty="0"/>
+              <a:t>Se requiere </a:t>
+            </a:r>
+            <a:r>
+              <a:rPr lang="es-EC" sz="4400" dirty="0" err="1"/>
+              <a:t>Autorization</a:t>
+            </a:r>
+            <a:r>
+              <a:rPr lang="es-EC" sz="4400" dirty="0"/>
+              <a:t> y su valor </a:t>
+            </a:r>
+          </a:p>
+          <a:p>
+            <a:pPr lvl="0" algn="just"/>
+            <a:endParaRPr lang="es-EC" sz="4400" b="0" i="0" dirty="0"/>
+          </a:p>
+        </p:txBody>
+      </p:sp>
+    </p:spTree>
+    <p:extLst>
+      <p:ext uri="{BB962C8B-B14F-4D97-AF65-F5344CB8AC3E}">
+        <p14:creationId xmlns:p14="http://schemas.microsoft.com/office/powerpoint/2010/main" val="672258204"/>
+      </p:ext>
+    </p:extLst>
+  </p:cSld>
+  <p:clrMapOvr>
+    <a:masterClrMapping/>
+  </p:clrMapOvr>
+</p:sld>
+</file>
+
+<file path=ppt/slides/slide22.xml><?xml version="1.0" encoding="utf-8"?>
+<p:sld xmlns:a="http://schemas.openxmlformats.org/drawingml/2006/main" xmlns:r="http://schemas.openxmlformats.org/officeDocument/2006/relationships" xmlns:p="http://schemas.openxmlformats.org/presentationml/2006/main">
+  <p:cSld>
+    <p:spTree>
+      <p:nvGrpSpPr>
+        <p:cNvPr id="1" name=""/>
+        <p:cNvGrpSpPr/>
+        <p:nvPr/>
+      </p:nvGrpSpPr>
+      <p:grpSpPr>
+        <a:xfrm>
+          <a:off x="0" y="0"/>
+          <a:ext cx="0" cy="0"/>
+          <a:chOff x="0" y="0"/>
+          <a:chExt cx="0" cy="0"/>
+        </a:xfrm>
+      </p:grpSpPr>
+      <p:sp>
+        <p:nvSpPr>
+          <p:cNvPr id="2" name="Título 1">
+            <a:extLst>
+              <a:ext uri="{FF2B5EF4-FFF2-40B4-BE49-F238E27FC236}">
+                <a16:creationId xmlns:a16="http://schemas.microsoft.com/office/drawing/2014/main" id="{0021AD95-580F-4A61-BFDA-8BEC133E441B}"/>
+              </a:ext>
+            </a:extLst>
+          </p:cNvPr>
+          <p:cNvSpPr>
+            <a:spLocks noGrp="1"/>
+          </p:cNvSpPr>
+          <p:nvPr>
+            <p:ph type="title"/>
+          </p:nvPr>
+        </p:nvSpPr>
+        <p:spPr/>
+        <p:txBody>
+          <a:bodyPr/>
+          <a:lstStyle/>
+          <a:p>
+            <a:r>
+              <a:rPr lang="es-EC" dirty="0"/>
+              <a:t>Después de implementar el Código</a:t>
+            </a:r>
+          </a:p>
+        </p:txBody>
+      </p:sp>
+      <p:pic>
+        <p:nvPicPr>
+          <p:cNvPr id="7" name="Marcador de contenido 6">
+            <a:extLst>
+              <a:ext uri="{FF2B5EF4-FFF2-40B4-BE49-F238E27FC236}">
+                <a16:creationId xmlns:a16="http://schemas.microsoft.com/office/drawing/2014/main" id="{CCB814FF-6361-4C88-9FC5-DD4544EA9E45}"/>
+              </a:ext>
+            </a:extLst>
+          </p:cNvPr>
+          <p:cNvPicPr>
+            <a:picLocks noGrp="1" noChangeAspect="1"/>
+          </p:cNvPicPr>
+          <p:nvPr>
+            <p:ph idx="1"/>
+          </p:nvPr>
+        </p:nvPicPr>
+        <p:blipFill>
+          <a:blip r:embed="rId2"/>
+          <a:stretch>
+            <a:fillRect/>
+          </a:stretch>
+        </p:blipFill>
+        <p:spPr>
+          <a:xfrm>
+            <a:off x="2622332" y="2052638"/>
+            <a:ext cx="5909112" cy="4195762"/>
+          </a:xfrm>
+        </p:spPr>
+      </p:pic>
+    </p:spTree>
+    <p:extLst>
+      <p:ext uri="{BB962C8B-B14F-4D97-AF65-F5344CB8AC3E}">
+        <p14:creationId xmlns:p14="http://schemas.microsoft.com/office/powerpoint/2010/main" val="511410938"/>
+      </p:ext>
+    </p:extLst>
+  </p:cSld>
+  <p:clrMapOvr>
+    <a:masterClrMapping/>
+  </p:clrMapOvr>
+</p:sld>
+</file>
+
+<file path=ppt/slides/slide23.xml><?xml version="1.0" encoding="utf-8"?>
+<p:sld xmlns:a="http://schemas.openxmlformats.org/drawingml/2006/main" xmlns:r="http://schemas.openxmlformats.org/officeDocument/2006/relationships" xmlns:p="http://schemas.openxmlformats.org/presentationml/2006/main">
+  <p:cSld>
+    <p:spTree>
+      <p:nvGrpSpPr>
+        <p:cNvPr id="1" name=""/>
+        <p:cNvGrpSpPr/>
+        <p:nvPr/>
+      </p:nvGrpSpPr>
+      <p:grpSpPr>
+        <a:xfrm>
+          <a:off x="0" y="0"/>
+          <a:ext cx="0" cy="0"/>
+          <a:chOff x="0" y="0"/>
+          <a:chExt cx="0" cy="0"/>
+        </a:xfrm>
+      </p:grpSpPr>
+      <p:sp>
+        <p:nvSpPr>
+          <p:cNvPr id="2" name="Título 1">
+            <a:extLst>
+              <a:ext uri="{FF2B5EF4-FFF2-40B4-BE49-F238E27FC236}">
+                <a16:creationId xmlns:a16="http://schemas.microsoft.com/office/drawing/2014/main" id="{0021AD95-580F-4A61-BFDA-8BEC133E441B}"/>
+              </a:ext>
+            </a:extLst>
+          </p:cNvPr>
+          <p:cNvSpPr>
+            <a:spLocks noGrp="1"/>
+          </p:cNvSpPr>
+          <p:nvPr>
+            <p:ph type="title"/>
+          </p:nvPr>
+        </p:nvSpPr>
+        <p:spPr/>
+        <p:txBody>
+          <a:bodyPr/>
+          <a:lstStyle/>
+          <a:p>
+            <a:r>
+              <a:rPr lang="es-EC" dirty="0"/>
+              <a:t>Después de implementar el Código</a:t>
+            </a:r>
+          </a:p>
+        </p:txBody>
+      </p:sp>
+      <p:pic>
+        <p:nvPicPr>
+          <p:cNvPr id="6" name="Marcador de contenido 5">
+            <a:extLst>
+              <a:ext uri="{FF2B5EF4-FFF2-40B4-BE49-F238E27FC236}">
                 <a16:creationId xmlns:a16="http://schemas.microsoft.com/office/drawing/2014/main" id="{0AD60449-FA27-492A-A804-EEF1970D9EA0}"/>
               </a:ext>
             </a:extLst>
@@ -7211,6 +7558,118 @@
 </p:sld>
 </file>
 
+<file path=ppt/slides/slide24.xml><?xml version="1.0" encoding="utf-8"?>
+<p:sld xmlns:a="http://schemas.openxmlformats.org/drawingml/2006/main" xmlns:r="http://schemas.openxmlformats.org/officeDocument/2006/relationships" xmlns:p="http://schemas.openxmlformats.org/presentationml/2006/main">
+  <p:cSld>
+    <p:spTree>
+      <p:nvGrpSpPr>
+        <p:cNvPr id="1" name=""/>
+        <p:cNvGrpSpPr/>
+        <p:nvPr/>
+      </p:nvGrpSpPr>
+      <p:grpSpPr>
+        <a:xfrm>
+          <a:off x="0" y="0"/>
+          <a:ext cx="0" cy="0"/>
+          <a:chOff x="0" y="0"/>
+          <a:chExt cx="0" cy="0"/>
+        </a:xfrm>
+      </p:grpSpPr>
+      <p:sp>
+        <p:nvSpPr>
+          <p:cNvPr id="2" name="Título 1">
+            <a:extLst>
+              <a:ext uri="{FF2B5EF4-FFF2-40B4-BE49-F238E27FC236}">
+                <a16:creationId xmlns:a16="http://schemas.microsoft.com/office/drawing/2014/main" id="{7D059A82-5894-60DB-520C-7B10CBA94ECF}"/>
+              </a:ext>
+            </a:extLst>
+          </p:cNvPr>
+          <p:cNvSpPr>
+            <a:spLocks noGrp="1"/>
+          </p:cNvSpPr>
+          <p:nvPr>
+            <p:ph type="title"/>
+          </p:nvPr>
+        </p:nvSpPr>
+        <p:spPr/>
+        <p:txBody>
+          <a:bodyPr/>
+          <a:lstStyle/>
+          <a:p>
+            <a:r>
+              <a:rPr lang="es-ES" dirty="0"/>
+              <a:t>C</a:t>
+            </a:r>
+            <a:r>
+              <a:rPr lang="es-MX" dirty="0" err="1"/>
+              <a:t>ódigo</a:t>
+            </a:r>
+            <a:endParaRPr lang="es-EC" dirty="0"/>
+          </a:p>
+        </p:txBody>
+      </p:sp>
+      <p:sp>
+        <p:nvSpPr>
+          <p:cNvPr id="4" name="Marcador de contenido 4">
+            <a:extLst>
+              <a:ext uri="{FF2B5EF4-FFF2-40B4-BE49-F238E27FC236}">
+                <a16:creationId xmlns:a16="http://schemas.microsoft.com/office/drawing/2014/main" id="{2B54FF74-D791-72AD-6BB4-A9BAE85139F7}"/>
+              </a:ext>
+            </a:extLst>
+          </p:cNvPr>
+          <p:cNvSpPr>
+            <a:spLocks noGrp="1"/>
+          </p:cNvSpPr>
+          <p:nvPr>
+            <p:ph idx="1"/>
+          </p:nvPr>
+        </p:nvSpPr>
+        <p:spPr>
+          <a:xfrm>
+            <a:off x="1103313" y="2052638"/>
+            <a:ext cx="8947150" cy="4195762"/>
+          </a:xfrm>
+        </p:spPr>
+        <p:txBody>
+          <a:bodyPr>
+            <a:normAutofit/>
+          </a:bodyPr>
+          <a:lstStyle/>
+          <a:p>
+            <a:pPr lvl="0"/>
+            <a:r>
+              <a:rPr lang="es-ES" sz="4400" b="0" i="0" dirty="0"/>
+              <a:t>Repositorio:</a:t>
+            </a:r>
+          </a:p>
+          <a:p>
+            <a:pPr marL="0" lvl="0" indent="0">
+              <a:buNone/>
+            </a:pPr>
+            <a:r>
+              <a:rPr lang="es-ES" sz="4400" b="0" i="0" dirty="0"/>
+              <a:t> https://github.com/JuandresPUCE/Api_python_SQLite.git</a:t>
+            </a:r>
+          </a:p>
+          <a:p>
+            <a:pPr lvl="0"/>
+            <a:endParaRPr lang="es-EC" sz="4400" dirty="0"/>
+          </a:p>
+        </p:txBody>
+      </p:sp>
+    </p:spTree>
+    <p:extLst>
+      <p:ext uri="{BB962C8B-B14F-4D97-AF65-F5344CB8AC3E}">
+        <p14:creationId xmlns:p14="http://schemas.microsoft.com/office/powerpoint/2010/main" val="1832397785"/>
+      </p:ext>
+    </p:extLst>
+  </p:cSld>
+  <p:clrMapOvr>
+    <a:masterClrMapping/>
+  </p:clrMapOvr>
+</p:sld>
+</file>
+
 <file path=ppt/slides/slide3.xml><?xml version="1.0" encoding="utf-8"?>
 <p:sld xmlns:a="http://schemas.openxmlformats.org/drawingml/2006/main" xmlns:r="http://schemas.openxmlformats.org/officeDocument/2006/relationships" xmlns:p="http://schemas.openxmlformats.org/presentationml/2006/main">
   <p:cSld>
@@ -7280,7 +7739,7 @@
           </a:bodyPr>
           <a:lstStyle/>
           <a:p>
-            <a:pPr lvl="0"/>
+            <a:pPr lvl="0" algn="just"/>
             <a:r>
               <a:rPr lang="es-EC" sz="4400" b="0" i="0" dirty="0"/>
               <a:t>Una vez instaladas las </a:t>
@@ -7295,7 +7754,7 @@
             </a:r>
           </a:p>
           <a:p>
-            <a:pPr lvl="0"/>
+            <a:pPr lvl="0" algn="just"/>
             <a:r>
               <a:rPr lang="en-US" sz="4400" b="0" i="0" dirty="0"/>
               <a:t>from </a:t>
@@ -7410,28 +7869,28 @@
         <p:spPr/>
         <p:txBody>
           <a:bodyPr>
-            <a:normAutofit/>
+            <a:normAutofit lnSpcReduction="10000"/>
           </a:bodyPr>
           <a:lstStyle/>
           <a:p>
-            <a:pPr lvl="0"/>
+            <a:pPr lvl="0" algn="just"/>
             <a:r>
               <a:rPr lang="es-EC" sz="4400" b="0" i="0" dirty="0"/>
               <a:t>Se define </a:t>
             </a:r>
             <a:r>
               <a:rPr lang="es-MX" sz="4400" b="0" i="0" dirty="0"/>
-              <a:t>La cadena que va después del igual</a:t>
-            </a:r>
-          </a:p>
-          <a:p>
-            <a:pPr marL="0" lvl="0" indent="0">
+              <a:t>La configuración con cadena que va después del igual</a:t>
+            </a:r>
+          </a:p>
+          <a:p>
+            <a:pPr marL="0" lvl="0" indent="0" algn="just">
               <a:buNone/>
             </a:pPr>
             <a:endParaRPr lang="es-MX" sz="4400" b="0" i="0" dirty="0"/>
           </a:p>
           <a:p>
-            <a:pPr lvl="0"/>
+            <a:pPr lvl="0" algn="just"/>
             <a:r>
               <a:rPr lang="es-MX" sz="4400" b="0" i="0" dirty="0" err="1"/>
               <a:t>app.config</a:t>
@@ -7533,14 +7992,14 @@
           </a:bodyPr>
           <a:lstStyle/>
           <a:p>
-            <a:pPr lvl="0"/>
+            <a:pPr lvl="0" algn="just"/>
             <a:r>
               <a:rPr lang="es-MX" sz="4400" b="0" i="0" dirty="0"/>
               <a:t>Es el valor de la clave secreta que se utiliza para firmar y verificar los tokens JWT (JSON Web Tokens) en tu aplicación.</a:t>
             </a:r>
           </a:p>
           <a:p>
-            <a:pPr lvl="0"/>
+            <a:pPr lvl="0" algn="just"/>
             <a:r>
               <a:rPr lang="es-MX" sz="4400" b="0" i="0" dirty="0"/>
               <a:t>La clave secreta es '</a:t>
@@ -7555,7 +8014,7 @@
             </a:r>
           </a:p>
           <a:p>
-            <a:pPr lvl="0"/>
+            <a:pPr lvl="0" algn="just"/>
             <a:r>
               <a:rPr lang="es-MX" sz="4400" dirty="0"/>
               <a:t>S</a:t>
@@ -7650,7 +8109,7 @@
           </a:bodyPr>
           <a:lstStyle/>
           <a:p>
-            <a:pPr lvl="0"/>
+            <a:pPr lvl="0" algn="just"/>
             <a:r>
               <a:rPr lang="es-MX" sz="4400" b="0" i="0" dirty="0"/>
               <a:t>Esta clave </a:t>
@@ -7665,7 +8124,7 @@
             </a:r>
           </a:p>
           <a:p>
-            <a:pPr lvl="0"/>
+            <a:pPr lvl="0" algn="just"/>
             <a:r>
               <a:rPr lang="es-MX" sz="4400" b="0" i="0" dirty="0"/>
               <a:t>Si alguien obtiene esta clave, podría firmar sus propios tokens y potencialmente ganar acceso no autorizado a tu aplicación</a:t>
@@ -7752,18 +8211,53 @@
         <p:spPr/>
         <p:txBody>
           <a:bodyPr>
-            <a:normAutofit/>
+            <a:normAutofit fontScale="92500" lnSpcReduction="10000"/>
           </a:bodyPr>
           <a:lstStyle/>
           <a:p>
-            <a:pPr lvl="0"/>
+            <a:pPr lvl="0" algn="just"/>
+            <a:r>
+              <a:rPr lang="es-EC" sz="4400" b="0" i="0" dirty="0" err="1"/>
+              <a:t>jwt</a:t>
+            </a:r>
+            <a:r>
+              <a:rPr lang="es-EC" sz="4400" b="0" i="0" dirty="0"/>
+              <a:t> = </a:t>
+            </a:r>
+            <a:r>
+              <a:rPr lang="es-EC" sz="4400" b="0" i="0" dirty="0" err="1"/>
+              <a:t>JWTManager</a:t>
+            </a:r>
+            <a:r>
+              <a:rPr lang="es-EC" sz="4400" b="0" i="0" dirty="0"/>
+              <a:t>(app)</a:t>
+            </a:r>
+          </a:p>
+          <a:p>
+            <a:pPr lvl="0" algn="just"/>
+            <a:r>
+              <a:rPr lang="es-MX" sz="4400" b="0" i="0" dirty="0"/>
+              <a:t>Inicializan el administrador JWT (JSON Web Token) Para </a:t>
+            </a:r>
+            <a:r>
+              <a:rPr lang="es-MX" sz="4400" b="0" i="0" dirty="0" err="1"/>
+              <a:t>Flask</a:t>
+            </a:r>
+            <a:r>
+              <a:rPr lang="es-MX" sz="4400" b="0" i="0" dirty="0"/>
+              <a:t>.</a:t>
+            </a:r>
+            <a:endParaRPr lang="es-EC" sz="4400" b="0" i="0" dirty="0"/>
+          </a:p>
+          <a:p>
+            <a:pPr lvl="0" algn="just"/>
             <a:r>
               <a:rPr lang="es-EC" sz="4400" b="0" i="0" dirty="0"/>
               <a:t>Se requiere definir en las rutas donde se utiliza el decorador </a:t>
             </a:r>
           </a:p>
           <a:p>
-            <a:pPr lvl="0"/>
+            <a:pPr lvl="0" algn="just"/>
             <a:r>
               <a:rPr lang="es-EC" sz="4400" b="0" i="0" dirty="0"/>
               <a:t>@jwt_required()</a:t>
@@ -7806,7 +8300,7 @@
           <p:cNvPr id="2" name="Título 1">
             <a:extLst>
               <a:ext uri="{FF2B5EF4-FFF2-40B4-BE49-F238E27FC236}">
-                <a16:creationId xmlns:a16="http://schemas.microsoft.com/office/drawing/2014/main" id="{0021AD95-580F-4A61-BFDA-8BEC133E441B}"/>
+                <a16:creationId xmlns:a16="http://schemas.microsoft.com/office/drawing/2014/main" id="{560E3B2A-8608-4169-A9E9-6FB86BDD813E}"/>
               </a:ext>
             </a:extLst>
           </p:cNvPr>
@@ -7823,45 +8317,61 @@
           <a:lstStyle/>
           <a:p>
             <a:r>
-              <a:rPr lang="es-EC" dirty="0"/>
-              <a:t>Antes de implementar el Código</a:t>
-            </a:r>
-          </a:p>
-        </p:txBody>
-      </p:sp>
-      <p:pic>
-        <p:nvPicPr>
-          <p:cNvPr id="9" name="Marcador de contenido 8">
+              <a:rPr lang="es-MX" dirty="0"/>
+              <a:t>¿Que pasos se tiene que seguir?</a:t>
+            </a:r>
+            <a:endParaRPr lang="es-EC" dirty="0"/>
+          </a:p>
+        </p:txBody>
+      </p:sp>
+      <p:sp>
+        <p:nvSpPr>
+          <p:cNvPr id="5" name="Marcador de contenido 4">
             <a:extLst>
               <a:ext uri="{FF2B5EF4-FFF2-40B4-BE49-F238E27FC236}">
-                <a16:creationId xmlns:a16="http://schemas.microsoft.com/office/drawing/2014/main" id="{DFBEB0EB-A24F-4192-BBFA-E93A53EC8E2E}"/>
+                <a16:creationId xmlns:a16="http://schemas.microsoft.com/office/drawing/2014/main" id="{5BBCE83F-8071-41D6-8D44-5A438EDBA0EB}"/>
               </a:ext>
             </a:extLst>
           </p:cNvPr>
-          <p:cNvPicPr>
-            <a:picLocks noGrp="1" noChangeAspect="1"/>
-          </p:cNvPicPr>
+          <p:cNvSpPr>
+            <a:spLocks noGrp="1"/>
+          </p:cNvSpPr>
           <p:nvPr>
             <p:ph idx="1"/>
           </p:nvPr>
-        </p:nvPicPr>
-        <p:blipFill>
-          <a:blip r:embed="rId2"/>
-          <a:stretch>
-            <a:fillRect/>
-          </a:stretch>
-        </p:blipFill>
-        <p:spPr>
-          <a:xfrm>
-            <a:off x="1103313" y="2178770"/>
-            <a:ext cx="8947150" cy="3943498"/>
-          </a:xfrm>
-        </p:spPr>
-      </p:pic>
+        </p:nvSpPr>
+        <p:spPr/>
+        <p:txBody>
+          <a:bodyPr>
+            <a:normAutofit/>
+          </a:bodyPr>
+          <a:lstStyle/>
+          <a:p>
+            <a:pPr lvl="0" algn="just"/>
+            <a:r>
+              <a:rPr lang="es-EC" sz="4400" b="0" i="0" dirty="0"/>
+              <a:t>Se crea el método de </a:t>
+            </a:r>
+            <a:r>
+              <a:rPr lang="es-EC" sz="4400" b="0" i="0" dirty="0" err="1"/>
+              <a:t>logueo</a:t>
+            </a:r>
+            <a:endParaRPr lang="es-EC" sz="4400" b="0" i="0" dirty="0"/>
+          </a:p>
+          <a:p>
+            <a:pPr lvl="0" algn="just"/>
+            <a:r>
+              <a:rPr lang="es-EC" sz="4400" dirty="0"/>
+              <a:t>Para el ejemplo simple, se introduce el nombre del usuario y la contraseña</a:t>
+            </a:r>
+            <a:endParaRPr lang="es-EC" sz="4400" b="0" i="0" dirty="0"/>
+          </a:p>
+        </p:txBody>
+      </p:sp>
     </p:spTree>
     <p:extLst>
       <p:ext uri="{BB962C8B-B14F-4D97-AF65-F5344CB8AC3E}">
-        <p14:creationId xmlns:p14="http://schemas.microsoft.com/office/powerpoint/2010/main" val="2703529850"/>
+        <p14:creationId xmlns:p14="http://schemas.microsoft.com/office/powerpoint/2010/main" val="1963324580"/>
       </p:ext>
     </p:extLst>
   </p:cSld>
@@ -7910,18 +8420,19 @@
           <a:lstStyle/>
           <a:p>
             <a:r>
-              <a:rPr lang="es-EC" dirty="0"/>
-              <a:t>Antes de implementar el Código</a:t>
-            </a:r>
+              <a:rPr lang="es-MX" dirty="0"/>
+              <a:t>¿Que pasos se tiene que seguir?</a:t>
+            </a:r>
+            <a:endParaRPr lang="es-EC" dirty="0"/>
           </a:p>
         </p:txBody>
       </p:sp>
       <p:pic>
         <p:nvPicPr>
-          <p:cNvPr id="5" name="Marcador de contenido 4">
+          <p:cNvPr id="9" name="Marcador de contenido 8">
             <a:extLst>
               <a:ext uri="{FF2B5EF4-FFF2-40B4-BE49-F238E27FC236}">
-                <a16:creationId xmlns:a16="http://schemas.microsoft.com/office/drawing/2014/main" id="{3C1F7DB6-B11E-41A6-BC1A-6D1FADB8ECE8}"/>
+                <a16:creationId xmlns:a16="http://schemas.microsoft.com/office/drawing/2014/main" id="{DFBEB0EB-A24F-4192-BBFA-E93A53EC8E2E}"/>
               </a:ext>
             </a:extLst>
           </p:cNvPr>
@@ -7940,15 +8451,15 @@
         </p:blipFill>
         <p:spPr>
           <a:xfrm>
-            <a:off x="1103684" y="2328967"/>
-            <a:ext cx="8947150" cy="3749635"/>
+            <a:off x="1103313" y="2178770"/>
+            <a:ext cx="8947150" cy="3943498"/>
           </a:xfrm>
         </p:spPr>
       </p:pic>
     </p:spTree>
     <p:extLst>
       <p:ext uri="{BB962C8B-B14F-4D97-AF65-F5344CB8AC3E}">
-        <p14:creationId xmlns:p14="http://schemas.microsoft.com/office/powerpoint/2010/main" val="1772890054"/>
+        <p14:creationId xmlns:p14="http://schemas.microsoft.com/office/powerpoint/2010/main" val="2703529850"/>
       </p:ext>
     </p:extLst>
   </p:cSld>
